--- a/Analisis/Recursos/Capitulo5/Entrenamiento.pptx
+++ b/Analisis/Recursos/Capitulo5/Entrenamiento.pptx
@@ -1021,7 +1021,7 @@
             <a:rPr lang="es-ES" sz="3600" b="0" u="none" dirty="0">
               <a:latin typeface="Garamond" panose="02020404030301010803" pitchFamily="18" charset="0"/>
             </a:rPr>
-            <a:t>Recolección de noticias</a:t>
+            <a:t>Recolección</a:t>
           </a:r>
         </a:p>
       </dgm:t>
@@ -1063,7 +1063,7 @@
             <a:rPr lang="es-ES" sz="3600" b="0" u="none" dirty="0">
               <a:latin typeface="Garamond" panose="02020404030301010803" pitchFamily="18" charset="0"/>
             </a:rPr>
-            <a:t>Entrenamiento de clasificador</a:t>
+            <a:t>Entrenamiento</a:t>
           </a:r>
         </a:p>
       </dgm:t>
@@ -1102,13 +1102,16 @@
         <a:lstStyle/>
         <a:p>
           <a:r>
-            <a:rPr lang="es-ES" sz="3600" b="0" u="none" dirty="0">
+            <a:rPr lang="es-ES" sz="3500" b="0" u="none" dirty="0">
               <a:solidFill>
-                <a:schemeClr val="tx1"/>
+                <a:schemeClr val="tx1">
+                  <a:lumMod val="85000"/>
+                  <a:lumOff val="15000"/>
+                </a:schemeClr>
               </a:solidFill>
               <a:latin typeface="Garamond" panose="02020404030301010803" pitchFamily="18" charset="0"/>
             </a:rPr>
-            <a:t>Desarrollo de aplicación web</a:t>
+            <a:t>Aplicación web</a:t>
           </a:r>
         </a:p>
       </dgm:t>
@@ -1375,7 +1378,7 @@
             <a:rPr lang="es-ES" sz="3600" b="0" u="none" kern="1200" dirty="0">
               <a:latin typeface="Garamond" panose="02020404030301010803" pitchFamily="18" charset="0"/>
             </a:rPr>
-            <a:t>Recolección de noticias</a:t>
+            <a:t>Recolección</a:t>
           </a:r>
         </a:p>
       </dsp:txBody>
@@ -1497,7 +1500,7 @@
             <a:rPr lang="es-ES" sz="3600" b="0" u="none" kern="1200" dirty="0">
               <a:latin typeface="Garamond" panose="02020404030301010803" pitchFamily="18" charset="0"/>
             </a:rPr>
-            <a:t>Entrenamiento de clasificador</a:t>
+            <a:t>Entrenamiento</a:t>
           </a:r>
         </a:p>
       </dsp:txBody>
@@ -1598,12 +1601,12 @@
         </a:fontRef>
       </dsp:style>
       <dsp:txBody>
-        <a:bodyPr spcFirstLastPara="0" vert="horz" wrap="square" lIns="256032" tIns="256032" rIns="256032" bIns="256032" numCol="1" spcCol="1270" anchor="ctr" anchorCtr="0">
+        <a:bodyPr spcFirstLastPara="0" vert="horz" wrap="square" lIns="248920" tIns="248920" rIns="248920" bIns="248920" numCol="1" spcCol="1270" anchor="ctr" anchorCtr="0">
           <a:noAutofit/>
         </a:bodyPr>
         <a:lstStyle/>
         <a:p>
-          <a:pPr marL="0" lvl="0" indent="0" algn="ctr" defTabSz="1600200">
+          <a:pPr marL="0" lvl="0" indent="0" algn="ctr" defTabSz="1555750">
             <a:lnSpc>
               <a:spcPct val="90000"/>
             </a:lnSpc>
@@ -1616,13 +1619,16 @@
             <a:buNone/>
           </a:pPr>
           <a:r>
-            <a:rPr lang="es-ES" sz="3600" b="0" u="none" kern="1200" dirty="0">
+            <a:rPr lang="es-ES" sz="3500" b="0" u="none" kern="1200" dirty="0">
               <a:solidFill>
-                <a:schemeClr val="tx1"/>
+                <a:schemeClr val="tx1">
+                  <a:lumMod val="85000"/>
+                  <a:lumOff val="15000"/>
+                </a:schemeClr>
               </a:solidFill>
               <a:latin typeface="Garamond" panose="02020404030301010803" pitchFamily="18" charset="0"/>
             </a:rPr>
-            <a:t>Desarrollo de aplicación web</a:t>
+            <a:t>Aplicación web</a:t>
           </a:r>
         </a:p>
       </dsp:txBody>
@@ -3102,7 +3108,7 @@
           <a:p>
             <a:fld id="{64335DFB-502B-0D44-AC3E-5552C11BB471}" type="datetimeFigureOut">
               <a:rPr lang="es-MX" smtClean="0"/>
-              <a:t>29/10/19</a:t>
+              <a:t>15/11/19</a:t>
             </a:fld>
             <a:endParaRPr lang="es-MX"/>
           </a:p>
@@ -3302,7 +3308,7 @@
           <a:p>
             <a:fld id="{64335DFB-502B-0D44-AC3E-5552C11BB471}" type="datetimeFigureOut">
               <a:rPr lang="es-MX" smtClean="0"/>
-              <a:t>29/10/19</a:t>
+              <a:t>15/11/19</a:t>
             </a:fld>
             <a:endParaRPr lang="es-MX"/>
           </a:p>
@@ -3512,7 +3518,7 @@
           <a:p>
             <a:fld id="{64335DFB-502B-0D44-AC3E-5552C11BB471}" type="datetimeFigureOut">
               <a:rPr lang="es-MX" smtClean="0"/>
-              <a:t>29/10/19</a:t>
+              <a:t>15/11/19</a:t>
             </a:fld>
             <a:endParaRPr lang="es-MX"/>
           </a:p>
@@ -3712,7 +3718,7 @@
           <a:p>
             <a:fld id="{64335DFB-502B-0D44-AC3E-5552C11BB471}" type="datetimeFigureOut">
               <a:rPr lang="es-MX" smtClean="0"/>
-              <a:t>29/10/19</a:t>
+              <a:t>15/11/19</a:t>
             </a:fld>
             <a:endParaRPr lang="es-MX"/>
           </a:p>
@@ -3988,7 +3994,7 @@
           <a:p>
             <a:fld id="{64335DFB-502B-0D44-AC3E-5552C11BB471}" type="datetimeFigureOut">
               <a:rPr lang="es-MX" smtClean="0"/>
-              <a:t>29/10/19</a:t>
+              <a:t>15/11/19</a:t>
             </a:fld>
             <a:endParaRPr lang="es-MX"/>
           </a:p>
@@ -4256,7 +4262,7 @@
           <a:p>
             <a:fld id="{64335DFB-502B-0D44-AC3E-5552C11BB471}" type="datetimeFigureOut">
               <a:rPr lang="es-MX" smtClean="0"/>
-              <a:t>29/10/19</a:t>
+              <a:t>15/11/19</a:t>
             </a:fld>
             <a:endParaRPr lang="es-MX"/>
           </a:p>
@@ -4671,7 +4677,7 @@
           <a:p>
             <a:fld id="{64335DFB-502B-0D44-AC3E-5552C11BB471}" type="datetimeFigureOut">
               <a:rPr lang="es-MX" smtClean="0"/>
-              <a:t>29/10/19</a:t>
+              <a:t>15/11/19</a:t>
             </a:fld>
             <a:endParaRPr lang="es-MX"/>
           </a:p>
@@ -4813,7 +4819,7 @@
           <a:p>
             <a:fld id="{64335DFB-502B-0D44-AC3E-5552C11BB471}" type="datetimeFigureOut">
               <a:rPr lang="es-MX" smtClean="0"/>
-              <a:t>29/10/19</a:t>
+              <a:t>15/11/19</a:t>
             </a:fld>
             <a:endParaRPr lang="es-MX"/>
           </a:p>
@@ -4926,7 +4932,7 @@
           <a:p>
             <a:fld id="{64335DFB-502B-0D44-AC3E-5552C11BB471}" type="datetimeFigureOut">
               <a:rPr lang="es-MX" smtClean="0"/>
-              <a:t>29/10/19</a:t>
+              <a:t>15/11/19</a:t>
             </a:fld>
             <a:endParaRPr lang="es-MX"/>
           </a:p>
@@ -5239,7 +5245,7 @@
           <a:p>
             <a:fld id="{64335DFB-502B-0D44-AC3E-5552C11BB471}" type="datetimeFigureOut">
               <a:rPr lang="es-MX" smtClean="0"/>
-              <a:t>29/10/19</a:t>
+              <a:t>15/11/19</a:t>
             </a:fld>
             <a:endParaRPr lang="es-MX"/>
           </a:p>
@@ -5528,7 +5534,7 @@
           <a:p>
             <a:fld id="{64335DFB-502B-0D44-AC3E-5552C11BB471}" type="datetimeFigureOut">
               <a:rPr lang="es-MX" smtClean="0"/>
-              <a:t>29/10/19</a:t>
+              <a:t>15/11/19</a:t>
             </a:fld>
             <a:endParaRPr lang="es-MX"/>
           </a:p>
@@ -5771,7 +5777,7 @@
           <a:p>
             <a:fld id="{64335DFB-502B-0D44-AC3E-5552C11BB471}" type="datetimeFigureOut">
               <a:rPr lang="es-MX" smtClean="0"/>
-              <a:t>29/10/19</a:t>
+              <a:t>15/11/19</a:t>
             </a:fld>
             <a:endParaRPr lang="es-MX"/>
           </a:p>
@@ -6201,7 +6207,7 @@
           <p:nvPr>
             <p:extLst>
               <p:ext uri="{D42A27DB-BD31-4B8C-83A1-F6EECF244321}">
-                <p14:modId xmlns:p14="http://schemas.microsoft.com/office/powerpoint/2010/main" val="2072511354"/>
+                <p14:modId xmlns:p14="http://schemas.microsoft.com/office/powerpoint/2010/main" val="1809278029"/>
               </p:ext>
             </p:extLst>
           </p:nvPr>
@@ -6264,6 +6270,12 @@
             <a:pPr algn="ctr"/>
             <a:r>
               <a:rPr lang="en-US" sz="4800" dirty="0">
+                <a:solidFill>
+                  <a:schemeClr val="tx1">
+                    <a:lumMod val="85000"/>
+                    <a:lumOff val="15000"/>
+                  </a:schemeClr>
+                </a:solidFill>
                 <a:latin typeface="Garamond" panose="02020404030301010803" pitchFamily="18" charset="0"/>
               </a:rPr>
               <a:t>1</a:t>
@@ -6319,6 +6331,12 @@
             <a:pPr algn="ctr"/>
             <a:r>
               <a:rPr lang="en-US" sz="4800" dirty="0">
+                <a:solidFill>
+                  <a:schemeClr val="tx1">
+                    <a:lumMod val="85000"/>
+                    <a:lumOff val="15000"/>
+                  </a:schemeClr>
+                </a:solidFill>
                 <a:latin typeface="Garamond" panose="02020404030301010803" pitchFamily="18" charset="0"/>
               </a:rPr>
               <a:t>2</a:t>
@@ -6374,6 +6392,12 @@
             <a:pPr algn="ctr"/>
             <a:r>
               <a:rPr lang="en-US" sz="4800" dirty="0">
+                <a:solidFill>
+                  <a:schemeClr val="tx1">
+                    <a:lumMod val="85000"/>
+                    <a:lumOff val="15000"/>
+                  </a:schemeClr>
+                </a:solidFill>
                 <a:latin typeface="Garamond" panose="02020404030301010803" pitchFamily="18" charset="0"/>
               </a:rPr>
               <a:t>3</a:t>
